--- a/Mortgage Loan Application Data Exploratory Analysis.pptx
+++ b/Mortgage Loan Application Data Exploratory Analysis.pptx
@@ -20,6 +20,7 @@
     <p:sldId id="268" r:id="rId14"/>
     <p:sldId id="269" r:id="rId15"/>
     <p:sldId id="270" r:id="rId16"/>
+    <p:sldId id="271" r:id="rId17"/>
   </p:sldIdLst>
   <p:sldSz cx="12192000" cy="6858000"/>
   <p:notesSz cx="6858000" cy="9144000"/>
@@ -118,6 +119,11 @@
       </a:defRPr>
     </a:lvl9pPr>
   </p:defaultTextStyle>
+  <p:extLst>
+    <p:ext uri="{EFAFB233-063F-42B5-8137-9DF3F51BA10A}">
+      <p15:sldGuideLst xmlns:p15="http://schemas.microsoft.com/office/powerpoint/2012/main"/>
+    </p:ext>
+  </p:extLst>
 </p:presentation>
 </file>
 
@@ -220,7 +226,7 @@
           <a:effectLst/>
           <a:extLst>
             <a:ext uri="{91240B29-F687-4f45-9708-019B960494DF}">
-              <a14:hiddenLine xmlns:a14="http://schemas.microsoft.com/office/drawing/2010/main" xmlns="" w="9525">
+              <a14:hiddenLine xmlns="" xmlns:a14="http://schemas.microsoft.com/office/drawing/2010/main" w="9525">
                 <a:solidFill>
                   <a:srgbClr val="000000"/>
                 </a:solidFill>
@@ -413,7 +419,7 @@
             <a:fld id="{08B9EBBA-996F-894A-B54A-D6246ED52CEA}" type="datetimeFigureOut">
               <a:rPr lang="en-US" dirty="0"/>
               <a:pPr/>
-              <a:t>10/26/2017</a:t>
+              <a:t>11/1/2017</a:t>
             </a:fld>
             <a:endParaRPr lang="en-US" dirty="0"/>
           </a:p>
@@ -728,7 +734,7 @@
             <a:fld id="{18C79C5D-2A6F-F04D-97DA-BEF2467B64E4}" type="datetimeFigureOut">
               <a:rPr lang="en-US" dirty="0"/>
               <a:pPr/>
-              <a:t>10/26/2017</a:t>
+              <a:t>11/1/2017</a:t>
             </a:fld>
             <a:endParaRPr lang="en-US" dirty="0"/>
           </a:p>
@@ -1213,7 +1219,7 @@
             <a:fld id="{8DFA1846-DA80-1C48-A609-854EA85C59AD}" type="datetimeFigureOut">
               <a:rPr lang="en-US" dirty="0"/>
               <a:pPr/>
-              <a:t>10/26/2017</a:t>
+              <a:t>11/1/2017</a:t>
             </a:fld>
             <a:endParaRPr lang="en-US" dirty="0"/>
           </a:p>
@@ -1579,7 +1585,7 @@
             <a:fld id="{FBF54567-0DE4-3F47-BF90-CB84690072F9}" type="datetimeFigureOut">
               <a:rPr lang="en-US" dirty="0"/>
               <a:pPr/>
-              <a:t>10/26/2017</a:t>
+              <a:t>11/1/2017</a:t>
             </a:fld>
             <a:endParaRPr lang="en-US" dirty="0"/>
           </a:p>
@@ -1730,7 +1736,7 @@
           <a:ln/>
           <a:extLst>
             <a:ext uri="{91240B29-F687-4f45-9708-019B960494DF}">
-              <a14:hiddenLine xmlns:a14="http://schemas.microsoft.com/office/drawing/2010/main" xmlns="" w="9525">
+              <a14:hiddenLine xmlns="" xmlns:a14="http://schemas.microsoft.com/office/drawing/2010/main" w="9525">
                 <a:solidFill>
                   <a:srgbClr val="000000"/>
                 </a:solidFill>
@@ -1849,7 +1855,7 @@
             <a:fld id="{C6C52C72-DE31-F449-A4ED-4C594FD91407}" type="datetimeFigureOut">
               <a:rPr lang="en-US" dirty="0"/>
               <a:pPr/>
-              <a:t>10/26/2017</a:t>
+              <a:t>11/1/2017</a:t>
             </a:fld>
             <a:endParaRPr lang="en-US" dirty="0"/>
           </a:p>
@@ -2002,7 +2008,7 @@
           <a:ln/>
           <a:extLst>
             <a:ext uri="{91240B29-F687-4f45-9708-019B960494DF}">
-              <a14:hiddenLine xmlns:a14="http://schemas.microsoft.com/office/drawing/2010/main" xmlns="" w="9525">
+              <a14:hiddenLine xmlns="" xmlns:a14="http://schemas.microsoft.com/office/drawing/2010/main" w="9525">
                 <a:solidFill>
                   <a:srgbClr val="000000"/>
                 </a:solidFill>
@@ -2131,7 +2137,7 @@
             <a:fld id="{ED62726E-379B-B349-9EED-81ED093FA806}" type="datetimeFigureOut">
               <a:rPr lang="en-US" dirty="0"/>
               <a:pPr/>
-              <a:t>10/26/2017</a:t>
+              <a:t>11/1/2017</a:t>
             </a:fld>
             <a:endParaRPr lang="en-US" dirty="0"/>
           </a:p>
@@ -2282,7 +2288,7 @@
           <a:ln/>
           <a:extLst>
             <a:ext uri="{91240B29-F687-4f45-9708-019B960494DF}">
-              <a14:hiddenLine xmlns:a14="http://schemas.microsoft.com/office/drawing/2010/main" xmlns="" w="9525">
+              <a14:hiddenLine xmlns="" xmlns:a14="http://schemas.microsoft.com/office/drawing/2010/main" w="9525">
                 <a:solidFill>
                   <a:srgbClr val="000000"/>
                 </a:solidFill>
@@ -2411,7 +2417,7 @@
             <a:fld id="{9B3A1323-8D79-1946-B0D7-40001CF92E9D}" type="datetimeFigureOut">
               <a:rPr lang="en-US" dirty="0"/>
               <a:pPr/>
-              <a:t>10/26/2017</a:t>
+              <a:t>11/1/2017</a:t>
             </a:fld>
             <a:endParaRPr lang="en-US" dirty="0"/>
           </a:p>
@@ -2751,7 +2757,7 @@
             <a:fld id="{8DFA1846-DA80-1C48-A609-854EA85C59AD}" type="datetimeFigureOut">
               <a:rPr lang="en-US" dirty="0"/>
               <a:pPr/>
-              <a:t>10/26/2017</a:t>
+              <a:t>11/1/2017</a:t>
             </a:fld>
             <a:endParaRPr lang="en-US" dirty="0"/>
           </a:p>
@@ -2902,7 +2908,7 @@
           <a:ln/>
           <a:extLst>
             <a:ext uri="{91240B29-F687-4f45-9708-019B960494DF}">
-              <a14:hiddenLine xmlns:a14="http://schemas.microsoft.com/office/drawing/2010/main" xmlns="" w="9525">
+              <a14:hiddenLine xmlns="" xmlns:a14="http://schemas.microsoft.com/office/drawing/2010/main" w="9525">
                 <a:solidFill>
                   <a:srgbClr val="000000"/>
                 </a:solidFill>
@@ -3087,7 +3093,7 @@
             <a:fld id="{57302355-E14B-8545-A8F8-0FE83CC9D524}" type="datetimeFigureOut">
               <a:rPr lang="en-US" dirty="0"/>
               <a:pPr/>
-              <a:t>10/26/2017</a:t>
+              <a:t>11/1/2017</a:t>
             </a:fld>
             <a:endParaRPr lang="en-US" dirty="0"/>
           </a:p>
@@ -3238,7 +3244,7 @@
           <a:ln/>
           <a:extLst>
             <a:ext uri="{91240B29-F687-4f45-9708-019B960494DF}">
-              <a14:hiddenLine xmlns:a14="http://schemas.microsoft.com/office/drawing/2010/main" xmlns="" w="9525">
+              <a14:hiddenLine xmlns="" xmlns:a14="http://schemas.microsoft.com/office/drawing/2010/main" w="9525">
                 <a:solidFill>
                   <a:srgbClr val="000000"/>
                 </a:solidFill>
@@ -3561,7 +3567,7 @@
             <a:fld id="{02640F58-564D-2B4F-AE67-E407BA4FCF45}" type="datetimeFigureOut">
               <a:rPr lang="en-US" dirty="0"/>
               <a:pPr/>
-              <a:t>10/26/2017</a:t>
+              <a:t>11/1/2017</a:t>
             </a:fld>
             <a:endParaRPr lang="en-US" dirty="0"/>
           </a:p>
@@ -3712,7 +3718,7 @@
           <a:ln/>
           <a:extLst>
             <a:ext uri="{91240B29-F687-4f45-9708-019B960494DF}">
-              <a14:hiddenLine xmlns:a14="http://schemas.microsoft.com/office/drawing/2010/main" xmlns="" w="9525">
+              <a14:hiddenLine xmlns="" xmlns:a14="http://schemas.microsoft.com/office/drawing/2010/main" w="9525">
                 <a:solidFill>
                   <a:srgbClr val="000000"/>
                 </a:solidFill>
@@ -3779,7 +3785,7 @@
             <a:fld id="{F13A34C8-038E-2045-AF43-DF7DBB8E0E9E}" type="datetimeFigureOut">
               <a:rPr lang="en-US" dirty="0"/>
               <a:pPr/>
-              <a:t>10/26/2017</a:t>
+              <a:t>11/1/2017</a:t>
             </a:fld>
             <a:endParaRPr lang="en-US" dirty="0"/>
           </a:p>
@@ -3871,7 +3877,7 @@
             <a:fld id="{8818C68F-D26B-8F47-958C-23B49CF8A634}" type="datetimeFigureOut">
               <a:rPr lang="en-US" dirty="0"/>
               <a:pPr/>
-              <a:t>10/26/2017</a:t>
+              <a:t>11/1/2017</a:t>
             </a:fld>
             <a:endParaRPr lang="en-US" dirty="0"/>
           </a:p>
@@ -4135,7 +4141,7 @@
           <a:ln/>
           <a:extLst>
             <a:ext uri="{91240B29-F687-4f45-9708-019B960494DF}">
-              <a14:hiddenLine xmlns:a14="http://schemas.microsoft.com/office/drawing/2010/main" xmlns="" w="9525">
+              <a14:hiddenLine xmlns="" xmlns:a14="http://schemas.microsoft.com/office/drawing/2010/main" w="9525">
                 <a:solidFill>
                   <a:srgbClr val="000000"/>
                 </a:solidFill>
@@ -4335,7 +4341,7 @@
             <a:fld id="{D0DF5E60-9974-AC48-9591-99C2BB44B7CF}" type="datetimeFigureOut">
               <a:rPr lang="en-US" dirty="0"/>
               <a:pPr/>
-              <a:t>10/26/2017</a:t>
+              <a:t>11/1/2017</a:t>
             </a:fld>
             <a:endParaRPr lang="en-US" dirty="0"/>
           </a:p>
@@ -4645,7 +4651,7 @@
             <a:fld id="{18C79C5D-2A6F-F04D-97DA-BEF2467B64E4}" type="datetimeFigureOut">
               <a:rPr lang="en-US" dirty="0"/>
               <a:pPr/>
-              <a:t>10/26/2017</a:t>
+              <a:t>11/1/2017</a:t>
             </a:fld>
             <a:endParaRPr lang="en-US" dirty="0"/>
           </a:p>
@@ -4912,7 +4918,7 @@
             <a:fld id="{09B482E8-6E0E-1B4F-B1FD-C69DB9E858D9}" type="datetimeFigureOut">
               <a:rPr lang="en-US" dirty="0"/>
               <a:pPr/>
-              <a:t>10/26/2017</a:t>
+              <a:t>11/1/2017</a:t>
             </a:fld>
             <a:endParaRPr lang="en-US" dirty="0"/>
           </a:p>
@@ -6306,6 +6312,98 @@
 </p:sld>
 </file>
 
+<file path=ppt/slides/slide16.xml><?xml version="1.0" encoding="utf-8"?>
+<p:sld xmlns:a="http://schemas.openxmlformats.org/drawingml/2006/main" xmlns:r="http://schemas.openxmlformats.org/officeDocument/2006/relationships" xmlns:p="http://schemas.openxmlformats.org/presentationml/2006/main">
+  <p:cSld>
+    <p:spTree>
+      <p:nvGrpSpPr>
+        <p:cNvPr id="1" name=""/>
+        <p:cNvGrpSpPr/>
+        <p:nvPr/>
+      </p:nvGrpSpPr>
+      <p:grpSpPr>
+        <a:xfrm>
+          <a:off x="0" y="0"/>
+          <a:ext cx="0" cy="0"/>
+          <a:chOff x="0" y="0"/>
+          <a:chExt cx="0" cy="0"/>
+        </a:xfrm>
+      </p:grpSpPr>
+      <p:sp>
+        <p:nvSpPr>
+          <p:cNvPr id="2" name="Title 1">
+            <a:extLst>
+              <a:ext uri="{FF2B5EF4-FFF2-40B4-BE49-F238E27FC236}">
+                <a16:creationId xmlns:a16="http://schemas.microsoft.com/office/drawing/2014/main" id="{8818065A-A1DA-4AA0-BB20-DDF729D3D280}"/>
+              </a:ext>
+            </a:extLst>
+          </p:cNvPr>
+          <p:cNvSpPr>
+            <a:spLocks noGrp="1"/>
+          </p:cNvSpPr>
+          <p:nvPr>
+            <p:ph type="title"/>
+          </p:nvPr>
+        </p:nvSpPr>
+        <p:spPr/>
+        <p:txBody>
+          <a:bodyPr/>
+          <a:lstStyle/>
+          <a:p>
+            <a:r>
+              <a:rPr lang="en-US" dirty="0"/>
+              <a:t>Logistic Regression VS Decision Tree	</a:t>
+            </a:r>
+          </a:p>
+        </p:txBody>
+      </p:sp>
+      <p:sp>
+        <p:nvSpPr>
+          <p:cNvPr id="3" name="Content Placeholder 2">
+            <a:extLst>
+              <a:ext uri="{FF2B5EF4-FFF2-40B4-BE49-F238E27FC236}">
+                <a16:creationId xmlns:a16="http://schemas.microsoft.com/office/drawing/2014/main" id="{2901BE8F-7507-4D34-821A-7302902440A7}"/>
+              </a:ext>
+            </a:extLst>
+          </p:cNvPr>
+          <p:cNvSpPr>
+            <a:spLocks noGrp="1"/>
+          </p:cNvSpPr>
+          <p:nvPr>
+            <p:ph idx="1"/>
+          </p:nvPr>
+        </p:nvSpPr>
+        <p:spPr/>
+        <p:txBody>
+          <a:bodyPr/>
+          <a:lstStyle/>
+          <a:p>
+            <a:r>
+              <a:rPr lang="en-US" dirty="0"/>
+              <a:t>Logistic  Regression feels much more closer to a linear dimension, where you pit dependent variable against the listed independent variables.</a:t>
+            </a:r>
+          </a:p>
+          <a:p>
+            <a:r>
+              <a:rPr lang="en-US" dirty="0"/>
+              <a:t>Decision Tree seems to calculate as a “big picture”, where you take the prediction into a multiple dimension, able to create a much clearer priority list, then pit the list against the next priority variable.</a:t>
+            </a:r>
+          </a:p>
+        </p:txBody>
+      </p:sp>
+    </p:spTree>
+    <p:extLst>
+      <p:ext uri="{BB962C8B-B14F-4D97-AF65-F5344CB8AC3E}">
+        <p14:creationId xmlns:p14="http://schemas.microsoft.com/office/powerpoint/2010/main" val="1309627227"/>
+      </p:ext>
+    </p:extLst>
+  </p:cSld>
+  <p:clrMapOvr>
+    <a:masterClrMapping/>
+  </p:clrMapOvr>
+</p:sld>
+</file>
+
 <file path=ppt/slides/slide2.xml><?xml version="1.0" encoding="utf-8"?>
 <p:sld xmlns:a="http://schemas.openxmlformats.org/drawingml/2006/main" xmlns:r="http://schemas.openxmlformats.org/officeDocument/2006/relationships" xmlns:p="http://schemas.openxmlformats.org/presentationml/2006/main">
   <p:cSld>
